--- a/HUST-Theme-PPT/v2扁平16-9.pptx
+++ b/HUST-Theme-PPT/v2扁平16-9.pptx
@@ -205,7 +205,7 @@
           <a:p>
             <a:fld id="{BDA51940-DB52-3B48-AABB-9C7938529E4E}" type="datetimeFigureOut">
               <a:rPr kumimoji="1" lang="zh-CN" altLang="en-US" smtClean="0"/>
-              <a:t>2026/1/5</a:t>
+              <a:t>2026/1/18</a:t>
             </a:fld>
             <a:endParaRPr kumimoji="1" lang="zh-CN" altLang="en-US"/>
           </a:p>
@@ -881,7 +881,7 @@
             </a:pPr>
             <a:fld id="{E4551058-E5DB-324A-A8E9-6D3BEF243C3B}" type="datetimeFigureOut">
               <a:rPr kumimoji="1" lang="zh-CN" altLang="en-US" smtClean="0"/>
-              <a:t>2026/1/5</a:t>
+              <a:t>2026/1/18</a:t>
             </a:fld>
             <a:endParaRPr kumimoji="1" lang="zh-CN" altLang="en-US"/>
           </a:p>
@@ -1274,7 +1274,7 @@
             </a:pPr>
             <a:fld id="{E4551058-E5DB-324A-A8E9-6D3BEF243C3B}" type="datetimeFigureOut">
               <a:rPr kumimoji="1" lang="zh-CN" altLang="en-US" smtClean="0"/>
-              <a:t>2026/1/5</a:t>
+              <a:t>2026/1/18</a:t>
             </a:fld>
             <a:endParaRPr kumimoji="1" lang="zh-CN" altLang="en-US"/>
           </a:p>
@@ -1504,7 +1504,7 @@
             </a:pPr>
             <a:fld id="{E4551058-E5DB-324A-A8E9-6D3BEF243C3B}" type="datetimeFigureOut">
               <a:rPr kumimoji="1" lang="zh-CN" altLang="en-US" smtClean="0"/>
-              <a:t>2026/1/5</a:t>
+              <a:t>2026/1/18</a:t>
             </a:fld>
             <a:endParaRPr kumimoji="1" lang="zh-CN" altLang="en-US"/>
           </a:p>
@@ -1877,7 +1877,7 @@
             </a:pPr>
             <a:fld id="{E4551058-E5DB-324A-A8E9-6D3BEF243C3B}" type="datetimeFigureOut">
               <a:rPr kumimoji="1" lang="zh-CN" altLang="en-US" smtClean="0"/>
-              <a:t>2026/1/5</a:t>
+              <a:t>2026/1/18</a:t>
             </a:fld>
             <a:endParaRPr kumimoji="1" lang="zh-CN" altLang="en-US"/>
           </a:p>
@@ -2152,7 +2152,7 @@
             </a:pPr>
             <a:fld id="{E4551058-E5DB-324A-A8E9-6D3BEF243C3B}" type="datetimeFigureOut">
               <a:rPr kumimoji="1" lang="zh-CN" altLang="en-US" smtClean="0"/>
-              <a:t>2026/1/5</a:t>
+              <a:t>2026/1/18</a:t>
             </a:fld>
             <a:endParaRPr kumimoji="1" lang="zh-CN" altLang="en-US"/>
           </a:p>
@@ -2416,7 +2416,7 @@
             </a:pPr>
             <a:fld id="{E4551058-E5DB-324A-A8E9-6D3BEF243C3B}" type="datetimeFigureOut">
               <a:rPr kumimoji="1" lang="zh-CN" altLang="en-US" smtClean="0"/>
-              <a:t>2026/1/5</a:t>
+              <a:t>2026/1/18</a:t>
             </a:fld>
             <a:endParaRPr kumimoji="1" lang="zh-CN" altLang="en-US"/>
           </a:p>
@@ -2872,7 +2872,7 @@
             </a:pPr>
             <a:fld id="{E4551058-E5DB-324A-A8E9-6D3BEF243C3B}" type="datetimeFigureOut">
               <a:rPr kumimoji="1" lang="zh-CN" altLang="en-US" smtClean="0"/>
-              <a:t>2026/1/5</a:t>
+              <a:t>2026/1/18</a:t>
             </a:fld>
             <a:endParaRPr kumimoji="1" lang="zh-CN" altLang="en-US"/>
           </a:p>
@@ -3388,7 +3388,7 @@
             </a:pPr>
             <a:fld id="{E4551058-E5DB-324A-A8E9-6D3BEF243C3B}" type="datetimeFigureOut">
               <a:rPr kumimoji="1" lang="zh-CN" altLang="en-US" smtClean="0"/>
-              <a:t>2026/1/5</a:t>
+              <a:t>2026/1/18</a:t>
             </a:fld>
             <a:endParaRPr kumimoji="1" lang="zh-CN" altLang="en-US"/>
           </a:p>
@@ -3899,7 +3899,7 @@
             </a:pPr>
             <a:fld id="{E4551058-E5DB-324A-A8E9-6D3BEF243C3B}" type="datetimeFigureOut">
               <a:rPr kumimoji="1" lang="zh-CN" altLang="en-US" smtClean="0"/>
-              <a:t>2026/1/5</a:t>
+              <a:t>2026/1/18</a:t>
             </a:fld>
             <a:endParaRPr kumimoji="1" lang="zh-CN" altLang="en-US"/>
           </a:p>
@@ -4066,7 +4066,7 @@
             </a:pPr>
             <a:fld id="{E4551058-E5DB-324A-A8E9-6D3BEF243C3B}" type="datetimeFigureOut">
               <a:rPr kumimoji="1" lang="zh-CN" altLang="en-US" smtClean="0"/>
-              <a:t>2026/1/5</a:t>
+              <a:t>2026/1/18</a:t>
             </a:fld>
             <a:endParaRPr kumimoji="1" lang="zh-CN" altLang="en-US"/>
           </a:p>
@@ -4233,7 +4233,7 @@
             </a:pPr>
             <a:fld id="{E4551058-E5DB-324A-A8E9-6D3BEF243C3B}" type="datetimeFigureOut">
               <a:rPr kumimoji="1" lang="zh-CN" altLang="en-US" smtClean="0"/>
-              <a:t>2026/1/5</a:t>
+              <a:t>2026/1/18</a:t>
             </a:fld>
             <a:endParaRPr kumimoji="1" lang="zh-CN" altLang="en-US"/>
           </a:p>
@@ -4715,7 +4715,7 @@
             </a:pPr>
             <a:fld id="{E4551058-E5DB-324A-A8E9-6D3BEF243C3B}" type="datetimeFigureOut">
               <a:rPr kumimoji="1" lang="zh-CN" altLang="en-US" smtClean="0"/>
-              <a:t>2026/1/5</a:t>
+              <a:t>2026/1/18</a:t>
             </a:fld>
             <a:endParaRPr kumimoji="1" lang="zh-CN" altLang="en-US"/>
           </a:p>
@@ -5074,7 +5074,7 @@
             </a:pPr>
             <a:fld id="{E4551058-E5DB-324A-A8E9-6D3BEF243C3B}" type="datetimeFigureOut">
               <a:rPr kumimoji="1" lang="zh-CN" altLang="en-US" smtClean="0"/>
-              <a:t>2026/1/5</a:t>
+              <a:t>2026/1/18</a:t>
             </a:fld>
             <a:endParaRPr kumimoji="1" lang="zh-CN" altLang="en-US"/>
           </a:p>
@@ -5624,10 +5624,10 @@
               </a:defRPr>
             </a:pPr>
             <a:r>
-              <a:rPr lang="zh-CN" altLang="en-US" dirty="0">
-                <a:solidFill/>
-              </a:rPr>
-              <a:t>朱亮</a:t>
+              <a:rPr lang="en-US" altLang="zh-CN" dirty="0" err="1">
+                <a:solidFill/>
+              </a:rPr>
+              <a:t>zhu</a:t>
             </a:r>
             <a:endParaRPr lang="en-US" altLang="zh-CN" dirty="0"/>
           </a:p>
@@ -5655,7 +5655,7 @@
               <a:rPr lang="en-US" altLang="zh-CN" dirty="0">
                 <a:solidFill/>
               </a:rPr>
-              <a:t>2021</a:t>
+              <a:t>2026</a:t>
             </a:r>
             <a:r>
               <a:rPr lang="zh-CN" altLang="en-US" dirty="0">
@@ -5667,7 +5667,7 @@
               <a:rPr lang="en-US" altLang="zh-CN" dirty="0">
                 <a:solidFill/>
               </a:rPr>
-              <a:t>11</a:t>
+              <a:t>1</a:t>
             </a:r>
             <a:r>
               <a:rPr lang="zh-CN" altLang="en-US" dirty="0">
@@ -5679,7 +5679,7 @@
               <a:rPr lang="en-US" altLang="zh-CN" dirty="0">
                 <a:solidFill/>
               </a:rPr>
-              <a:t>3</a:t>
+              <a:t>18</a:t>
             </a:r>
             <a:r>
               <a:rPr lang="zh-CN" altLang="en-US" dirty="0">
@@ -5728,7 +5728,7 @@
               <a:rPr lang="zh-CN" altLang="en-US" dirty="0">
                 <a:solidFill/>
               </a:rPr>
-              <a:t>清华简约主题</a:t>
+              <a:t>华科简约主题</a:t>
             </a:r>
             <a:r>
               <a:rPr lang="en-US" altLang="zh-CN" dirty="0">
@@ -6054,7 +6054,7 @@
               <a:rPr lang="zh-CN" altLang="en-US" dirty="0">
                 <a:solidFill/>
               </a:rPr>
-              <a:t>本清华主题模板实际上编辑了幻灯片母版，使图案和配色固定下来，使用时可类似于使用</a:t>
+              <a:t>本华科主题模板实际上编辑了幻灯片母版，使图案和配色固定下来，使用时可类似于使用</a:t>
             </a:r>
             <a:r>
               <a:rPr lang="en-US" altLang="zh-CN" dirty="0">
@@ -6113,7 +6113,7 @@
                 <a:solidFill/>
                 <a:hlinkClick r:id="rId2"/>
               </a:rPr>
-              <a:t>https://github.com/atomiechen/THU-PPT-Theme</a:t>
+              <a:t>https://github.com/LSTM-zhul/HUST-PPT</a:t>
             </a:r>
             <a:endParaRPr lang="en-US" altLang="zh-CN" dirty="0"/>
           </a:p>
@@ -6347,7 +6347,7 @@
               <a:rPr lang="zh-CN" altLang="en-US" dirty="0">
                 <a:solidFill/>
               </a:rPr>
-              <a:t>扫地机科学与技术</a:t>
+              <a:t>异构多智能体协同</a:t>
             </a:r>
             <a:endParaRPr lang="en-US" altLang="zh-CN" dirty="0"/>
           </a:p>
@@ -6390,7 +6390,7 @@
                 <a:solidFill/>
                 <a:hlinkClick r:id="rId2"/>
               </a:rPr>
-              <a:t>https://github.com/atomiechen/THU-PPT-Theme</a:t>
+              <a:t>https://github.com/LSTM-zhul/HUST-PPT</a:t>
             </a:r>
             <a:endParaRPr lang="en-US" altLang="zh-CN" dirty="0"/>
           </a:p>
@@ -6506,57 +6506,30 @@
               <a:rPr lang="en" altLang="zh-CN" dirty="0">
                 <a:solidFill/>
               </a:rPr>
-              <a:t>Weihao CHEN</a:t>
-            </a:r>
-          </a:p>
-          <a:p>
-            <a:pPr>
-              <a:defRPr>
-                <a:solidFill/>
-              </a:defRPr>
-            </a:pPr>
-            <a:r>
-              <a:rPr lang="en-US" altLang="zh-CN" dirty="0">
-                <a:solidFill/>
-              </a:rPr>
-              <a:t>Sweeper</a:t>
-            </a:r>
-            <a:r>
-              <a:rPr lang="zh-CN" altLang="en-US" dirty="0">
-                <a:solidFill/>
-              </a:rPr>
+              <a:t>liang zhu</a:t>
+            </a:r>
+          </a:p>
+          <a:p>
+            <a:pPr>
+              <a:defRPr>
+                <a:solidFill/>
+              </a:defRPr>
+            </a:pPr>
+            <a:r>
+              <a:rPr lang="en" altLang="zh-CN" dirty="0"/>
+              <a:t>Heterogeneous</a:t>
+            </a:r>
+            <a:r>
+              <a:rPr lang="zh-CN" altLang="en-US" dirty="0"/>
               <a:t> </a:t>
             </a:r>
             <a:r>
-              <a:rPr lang="en-US" altLang="zh-CN" dirty="0">
-                <a:solidFill/>
-              </a:rPr>
-              <a:t>Science</a:t>
-            </a:r>
-            <a:r>
-              <a:rPr lang="zh-CN" altLang="en-US" dirty="0">
-                <a:solidFill/>
-              </a:rPr>
-              <a:t> </a:t>
-            </a:r>
-            <a:r>
-              <a:rPr lang="en-US" altLang="zh-CN" dirty="0">
-                <a:solidFill/>
-              </a:rPr>
-              <a:t>and</a:t>
-            </a:r>
-            <a:r>
-              <a:rPr lang="zh-CN" altLang="en-US" dirty="0">
-                <a:solidFill/>
-              </a:rPr>
-              <a:t> </a:t>
-            </a:r>
-            <a:r>
-              <a:rPr lang="en-US" altLang="zh-CN" dirty="0">
-                <a:solidFill/>
-              </a:rPr>
-              <a:t>Technology</a:t>
-            </a:r>
+              <a:rPr lang="en-US" altLang="zh-CN" dirty="0"/>
+              <a:t>multi-agents</a:t>
+            </a:r>
+            <a:endParaRPr kumimoji="1" lang="en-US" altLang="zh-CN" dirty="0">
+              <a:solidFill/>
+            </a:endParaRPr>
           </a:p>
           <a:p>
             <a:pPr>
@@ -6680,7 +6653,7 @@
               <a:rPr lang="zh-CN" altLang="en-US" dirty="0">
                 <a:solidFill/>
               </a:rPr>
-              <a:t>艾敝舍 </a:t>
+              <a:t>紫菘舍 </a:t>
             </a:r>
             <a:r>
               <a:rPr lang="en-US" altLang="zh-CN" dirty="0">
@@ -6814,39 +6787,6 @@
           </a:p>
         </p:txBody>
       </p:sp>
-      <p:pic>
-        <p:nvPicPr>
-          <p:cNvPr id="3" name="图片 2">
-            <a:extLst>
-              <a:ext uri="{FF2B5EF4-FFF2-40B4-BE49-F238E27FC236}">
-                <a16:creationId xmlns:a16="http://schemas.microsoft.com/office/drawing/2014/main" id="{B63398E7-CD18-5C4C-B542-15D26B5574BA}"/>
-              </a:ext>
-            </a:extLst>
-          </p:cNvPr>
-          <p:cNvPicPr>
-            <a:picLocks noChangeAspect="1"/>
-          </p:cNvPicPr>
-          <p:nvPr/>
-        </p:nvPicPr>
-        <p:blipFill>
-          <a:blip r:embed="rId3"/>
-          <a:stretch>
-            <a:fillRect/>
-          </a:stretch>
-        </p:blipFill>
-        <p:spPr>
-          <a:xfrm>
-            <a:off x="2711208" y="1089478"/>
-            <a:ext cx="6769583" cy="3174990"/>
-          </a:xfrm>
-          <a:prstGeom prst="rect">
-            <a:avLst/>
-          </a:prstGeom>
-          <a:ln>
-            <a:solidFill/>
-          </a:ln>
-        </p:spPr>
-      </p:pic>
     </p:spTree>
     <p:extLst>
       <p:ext uri="{BB962C8B-B14F-4D97-AF65-F5344CB8AC3E}">
@@ -7269,7 +7209,7 @@
               <a:rPr lang="zh-CN" altLang="en-US" dirty="0">
                 <a:solidFill/>
               </a:rPr>
-              <a:t>扫地机科学与技术</a:t>
+              <a:t>异构多智能体协同</a:t>
             </a:r>
           </a:p>
         </p:txBody>
@@ -7348,7 +7288,7 @@
               <a:rPr lang="en-US" altLang="zh-CN" dirty="0" err="1">
                 <a:solidFill/>
               </a:rPr>
-              <a:t>Atomie</a:t>
+              <a:t>zhu</a:t>
             </a:r>
             <a:endParaRPr lang="en-US" altLang="zh-CN" dirty="0"/>
           </a:p>
